--- a/LeapBot MVP and GTM.pptx
+++ b/LeapBot MVP and GTM.pptx
@@ -192,7 +192,7 @@
           <a:p>
             <a:fld id="{1D8BD707-D9CF-40AE-B4C6-C98DA3205C09}" type="datetimeFigureOut">
               <a:rPr lang="en-US"/>
-              <a:t>2/29/2024</a:t>
+              <a:t>6/8/2024</a:t>
             </a:fld>
             <a:endParaRPr lang="en-US"/>
           </a:p>
@@ -369,7 +369,7 @@
           <a:p>
             <a:fld id="{1D8BD707-D9CF-40AE-B4C6-C98DA3205C09}" type="datetimeFigureOut">
               <a:rPr lang="en-US"/>
-              <a:t>2/29/2024</a:t>
+              <a:t>6/8/2024</a:t>
             </a:fld>
             <a:endParaRPr lang="en-US"/>
           </a:p>
@@ -583,7 +583,7 @@
           <a:p>
             <a:fld id="{1D8BD707-D9CF-40AE-B4C6-C98DA3205C09}" type="datetimeFigureOut">
               <a:rPr lang="en-US"/>
-              <a:t>2/29/2024</a:t>
+              <a:t>6/8/2024</a:t>
             </a:fld>
             <a:endParaRPr lang="en-US"/>
           </a:p>
@@ -731,7 +731,7 @@
           <a:p>
             <a:fld id="{1D8BD707-D9CF-40AE-B4C6-C98DA3205C09}" type="datetimeFigureOut">
               <a:rPr lang="en-US"/>
-              <a:t>2/29/2024</a:t>
+              <a:t>6/8/2024</a:t>
             </a:fld>
             <a:endParaRPr lang="en-US"/>
           </a:p>
@@ -850,7 +850,7 @@
           <a:p>
             <a:fld id="{1D8BD707-D9CF-40AE-B4C6-C98DA3205C09}" type="datetimeFigureOut">
               <a:rPr lang="en-US"/>
-              <a:t>2/29/2024</a:t>
+              <a:t>6/8/2024</a:t>
             </a:fld>
             <a:endParaRPr lang="en-US"/>
           </a:p>
@@ -1122,7 +1122,7 @@
           <a:p>
             <a:fld id="{1D8BD707-D9CF-40AE-B4C6-C98DA3205C09}" type="datetimeFigureOut">
               <a:rPr lang="en-US"/>
-              <a:t>2/29/2024</a:t>
+              <a:t>6/8/2024</a:t>
             </a:fld>
             <a:endParaRPr lang="en-US"/>
           </a:p>
@@ -2242,7 +2242,7 @@
                 <a:latin typeface="Tahoma"/>
                 <a:cs typeface="Tahoma"/>
               </a:rPr>
-              <a:t>ABHISHEK SUMAN</a:t>
+              <a:t>Saransh Jindal</a:t>
             </a:r>
             <a:endParaRPr sz="4250" dirty="0">
               <a:latin typeface="Tahoma"/>
@@ -4592,7 +4592,7 @@
               </a:rPr>
               <a:t> YOURSELF</a:t>
             </a:r>
-            <a:endParaRPr sz="2950">
+            <a:endParaRPr sz="2950" dirty="0">
               <a:latin typeface="Tahoma"/>
               <a:cs typeface="Tahoma"/>
             </a:endParaRPr>
@@ -14910,7 +14910,7 @@
                 <a:latin typeface="Tahoma"/>
                 <a:cs typeface="Tahoma"/>
               </a:rPr>
-              <a:t>ABHISHEK SUAMN</a:t>
+              <a:t>Saransh Jindal</a:t>
             </a:r>
             <a:endParaRPr sz="4250" dirty="0">
               <a:latin typeface="Tahoma"/>
